--- a/lectures/LocalAC-Slides.pptx
+++ b/lectures/LocalAC-Slides.pptx
@@ -111,6 +111,22 @@
       </a:defRPr>
     </a:lvl9pPr>
   </p:defaultTextStyle>
+  <p:extLst>
+    <p:ext uri="{EFAFB233-063F-42B5-8137-9DF3F51BA10A}">
+      <p15:sldGuideLst xmlns:p15="http://schemas.microsoft.com/office/powerpoint/2012/main">
+        <p15:guide id="1" orient="horz" pos="2160">
+          <p15:clr>
+            <a:srgbClr val="A4A3A4"/>
+          </p15:clr>
+        </p15:guide>
+        <p15:guide id="2" pos="2880">
+          <p15:clr>
+            <a:srgbClr val="A4A3A4"/>
+          </p15:clr>
+        </p15:guide>
+      </p15:sldGuideLst>
+    </p:ext>
+  </p:extLst>
 </p:presentation>
 </file>
 
@@ -196,7 +212,7 @@
           <a:p>
             <a:fld id="{A95B2230-0622-4F0B-8E9E-836E6226D951}" type="datetimeFigureOut">
               <a:rPr lang="en-US" smtClean="0"/>
-              <a:t>10/3/2012</a:t>
+              <a:t>5/15/2023</a:t>
             </a:fld>
             <a:endParaRPr lang="en-US"/>
           </a:p>
@@ -260,38 +276,37 @@
           <a:p>
             <a:pPr lvl="0"/>
             <a:r>
-              <a:rPr lang="en-US" smtClean="0"/>
+              <a:rPr lang="en-US"/>
               <a:t>Click to edit Master text styles</a:t>
             </a:r>
           </a:p>
           <a:p>
             <a:pPr lvl="1"/>
             <a:r>
-              <a:rPr lang="en-US" smtClean="0"/>
+              <a:rPr lang="en-US"/>
               <a:t>Second level</a:t>
             </a:r>
           </a:p>
           <a:p>
             <a:pPr lvl="2"/>
             <a:r>
-              <a:rPr lang="en-US" smtClean="0"/>
+              <a:rPr lang="en-US"/>
               <a:t>Third level</a:t>
             </a:r>
           </a:p>
           <a:p>
             <a:pPr lvl="3"/>
             <a:r>
-              <a:rPr lang="en-US" smtClean="0"/>
+              <a:rPr lang="en-US"/>
               <a:t>Fourth level</a:t>
             </a:r>
           </a:p>
           <a:p>
             <a:pPr lvl="4"/>
             <a:r>
-              <a:rPr lang="en-US" smtClean="0"/>
+              <a:rPr lang="en-US"/>
               <a:t>Fifth level</a:t>
             </a:r>
-            <a:endParaRPr lang="en-US"/>
           </a:p>
         </p:txBody>
       </p:sp>
@@ -567,7 +582,7 @@
           </a:lstStyle>
           <a:p>
             <a:r>
-              <a:rPr lang="en-US" smtClean="0"/>
+              <a:rPr lang="en-US"/>
               <a:t>Click to edit Master title style</a:t>
             </a:r>
             <a:endParaRPr lang="en-US" dirty="0"/>
@@ -697,7 +712,7 @@
           </a:lstStyle>
           <a:p>
             <a:r>
-              <a:rPr lang="en-US" smtClean="0"/>
+              <a:rPr lang="en-US"/>
               <a:t>Click to edit Master subtitle style</a:t>
             </a:r>
             <a:endParaRPr lang="en-US" dirty="0"/>
@@ -722,7 +737,7 @@
             <a:fld id="{C66D7397-C25C-4F92-8192-2807646A1642}" type="datetimeFigureOut">
               <a:rPr lang="en-US" smtClean="0"/>
               <a:pPr/>
-              <a:t>10/3/2012</a:t>
+              <a:t>5/15/2023</a:t>
             </a:fld>
             <a:endParaRPr lang="en-US"/>
           </a:p>
@@ -815,10 +830,9 @@
           <a:lstStyle/>
           <a:p>
             <a:r>
-              <a:rPr lang="en-US" smtClean="0"/>
+              <a:rPr lang="en-US"/>
               <a:t>Click to edit Master title style</a:t>
             </a:r>
-            <a:endParaRPr lang="en-US"/>
           </a:p>
         </p:txBody>
       </p:sp>
@@ -839,38 +853,37 @@
           <a:p>
             <a:pPr lvl="0"/>
             <a:r>
-              <a:rPr lang="en-US" smtClean="0"/>
+              <a:rPr lang="en-US"/>
               <a:t>Click to edit Master text styles</a:t>
             </a:r>
           </a:p>
           <a:p>
             <a:pPr lvl="1"/>
             <a:r>
-              <a:rPr lang="en-US" smtClean="0"/>
+              <a:rPr lang="en-US"/>
               <a:t>Second level</a:t>
             </a:r>
           </a:p>
           <a:p>
             <a:pPr lvl="2"/>
             <a:r>
-              <a:rPr lang="en-US" smtClean="0"/>
+              <a:rPr lang="en-US"/>
               <a:t>Third level</a:t>
             </a:r>
           </a:p>
           <a:p>
             <a:pPr lvl="3"/>
             <a:r>
-              <a:rPr lang="en-US" smtClean="0"/>
+              <a:rPr lang="en-US"/>
               <a:t>Fourth level</a:t>
             </a:r>
           </a:p>
           <a:p>
             <a:pPr lvl="4"/>
             <a:r>
-              <a:rPr lang="en-US" smtClean="0"/>
+              <a:rPr lang="en-US"/>
               <a:t>Fifth level</a:t>
             </a:r>
-            <a:endParaRPr lang="en-US"/>
           </a:p>
         </p:txBody>
       </p:sp>
@@ -892,7 +905,7 @@
             <a:fld id="{C66D7397-C25C-4F92-8192-2807646A1642}" type="datetimeFigureOut">
               <a:rPr lang="en-US" smtClean="0"/>
               <a:pPr/>
-              <a:t>10/3/2012</a:t>
+              <a:t>5/15/2023</a:t>
             </a:fld>
             <a:endParaRPr lang="en-US"/>
           </a:p>
@@ -990,10 +1003,9 @@
           <a:lstStyle/>
           <a:p>
             <a:r>
-              <a:rPr lang="en-US" smtClean="0"/>
+              <a:rPr lang="en-US"/>
               <a:t>Click to edit Master title style</a:t>
             </a:r>
-            <a:endParaRPr lang="en-US"/>
           </a:p>
         </p:txBody>
       </p:sp>
@@ -1019,38 +1031,37 @@
           <a:p>
             <a:pPr lvl="0"/>
             <a:r>
-              <a:rPr lang="en-US" smtClean="0"/>
+              <a:rPr lang="en-US"/>
               <a:t>Click to edit Master text styles</a:t>
             </a:r>
           </a:p>
           <a:p>
             <a:pPr lvl="1"/>
             <a:r>
-              <a:rPr lang="en-US" smtClean="0"/>
+              <a:rPr lang="en-US"/>
               <a:t>Second level</a:t>
             </a:r>
           </a:p>
           <a:p>
             <a:pPr lvl="2"/>
             <a:r>
-              <a:rPr lang="en-US" smtClean="0"/>
+              <a:rPr lang="en-US"/>
               <a:t>Third level</a:t>
             </a:r>
           </a:p>
           <a:p>
             <a:pPr lvl="3"/>
             <a:r>
-              <a:rPr lang="en-US" smtClean="0"/>
+              <a:rPr lang="en-US"/>
               <a:t>Fourth level</a:t>
             </a:r>
           </a:p>
           <a:p>
             <a:pPr lvl="4"/>
             <a:r>
-              <a:rPr lang="en-US" smtClean="0"/>
+              <a:rPr lang="en-US"/>
               <a:t>Fifth level</a:t>
             </a:r>
-            <a:endParaRPr lang="en-US"/>
           </a:p>
         </p:txBody>
       </p:sp>
@@ -1072,7 +1083,7 @@
             <a:fld id="{C66D7397-C25C-4F92-8192-2807646A1642}" type="datetimeFigureOut">
               <a:rPr lang="en-US" smtClean="0"/>
               <a:pPr/>
-              <a:t>10/3/2012</a:t>
+              <a:t>5/15/2023</a:t>
             </a:fld>
             <a:endParaRPr lang="en-US"/>
           </a:p>
@@ -1165,10 +1176,9 @@
           <a:lstStyle/>
           <a:p>
             <a:r>
-              <a:rPr lang="en-US" smtClean="0"/>
+              <a:rPr lang="en-US"/>
               <a:t>Click to edit Master title style</a:t>
             </a:r>
-            <a:endParaRPr lang="en-US"/>
           </a:p>
         </p:txBody>
       </p:sp>
@@ -1189,38 +1199,37 @@
           <a:p>
             <a:pPr lvl="0"/>
             <a:r>
-              <a:rPr lang="en-US" smtClean="0"/>
+              <a:rPr lang="en-US"/>
               <a:t>Click to edit Master text styles</a:t>
             </a:r>
           </a:p>
           <a:p>
             <a:pPr lvl="1"/>
             <a:r>
-              <a:rPr lang="en-US" smtClean="0"/>
+              <a:rPr lang="en-US"/>
               <a:t>Second level</a:t>
             </a:r>
           </a:p>
           <a:p>
             <a:pPr lvl="2"/>
             <a:r>
-              <a:rPr lang="en-US" smtClean="0"/>
+              <a:rPr lang="en-US"/>
               <a:t>Third level</a:t>
             </a:r>
           </a:p>
           <a:p>
             <a:pPr lvl="3"/>
             <a:r>
-              <a:rPr lang="en-US" smtClean="0"/>
+              <a:rPr lang="en-US"/>
               <a:t>Fourth level</a:t>
             </a:r>
           </a:p>
           <a:p>
             <a:pPr lvl="4"/>
             <a:r>
-              <a:rPr lang="en-US" smtClean="0"/>
+              <a:rPr lang="en-US"/>
               <a:t>Fifth level</a:t>
             </a:r>
-            <a:endParaRPr lang="en-US"/>
           </a:p>
         </p:txBody>
       </p:sp>
@@ -1242,7 +1251,7 @@
             <a:fld id="{C66D7397-C25C-4F92-8192-2807646A1642}" type="datetimeFigureOut">
               <a:rPr lang="en-US" smtClean="0"/>
               <a:pPr/>
-              <a:t>10/3/2012</a:t>
+              <a:t>5/15/2023</a:t>
             </a:fld>
             <a:endParaRPr lang="en-US"/>
           </a:p>
@@ -1344,10 +1353,9 @@
           </a:lstStyle>
           <a:p>
             <a:r>
-              <a:rPr lang="en-US" smtClean="0"/>
+              <a:rPr lang="en-US"/>
               <a:t>Click to edit Master title style</a:t>
             </a:r>
-            <a:endParaRPr lang="en-US"/>
           </a:p>
         </p:txBody>
       </p:sp>
@@ -1464,7 +1472,7 @@
           <a:p>
             <a:pPr lvl="0"/>
             <a:r>
-              <a:rPr lang="en-US" smtClean="0"/>
+              <a:rPr lang="en-US"/>
               <a:t>Click to edit Master text styles</a:t>
             </a:r>
           </a:p>
@@ -1488,7 +1496,7 @@
             <a:fld id="{C66D7397-C25C-4F92-8192-2807646A1642}" type="datetimeFigureOut">
               <a:rPr lang="en-US" smtClean="0"/>
               <a:pPr/>
-              <a:t>10/3/2012</a:t>
+              <a:t>5/15/2023</a:t>
             </a:fld>
             <a:endParaRPr lang="en-US"/>
           </a:p>
@@ -1581,10 +1589,9 @@
           <a:lstStyle/>
           <a:p>
             <a:r>
-              <a:rPr lang="en-US" smtClean="0"/>
+              <a:rPr lang="en-US"/>
               <a:t>Click to edit Master title style</a:t>
             </a:r>
-            <a:endParaRPr lang="en-US"/>
           </a:p>
         </p:txBody>
       </p:sp>
@@ -1638,38 +1645,37 @@
           <a:p>
             <a:pPr lvl="0"/>
             <a:r>
-              <a:rPr lang="en-US" smtClean="0"/>
+              <a:rPr lang="en-US"/>
               <a:t>Click to edit Master text styles</a:t>
             </a:r>
           </a:p>
           <a:p>
             <a:pPr lvl="1"/>
             <a:r>
-              <a:rPr lang="en-US" smtClean="0"/>
+              <a:rPr lang="en-US"/>
               <a:t>Second level</a:t>
             </a:r>
           </a:p>
           <a:p>
             <a:pPr lvl="2"/>
             <a:r>
-              <a:rPr lang="en-US" smtClean="0"/>
+              <a:rPr lang="en-US"/>
               <a:t>Third level</a:t>
             </a:r>
           </a:p>
           <a:p>
             <a:pPr lvl="3"/>
             <a:r>
-              <a:rPr lang="en-US" smtClean="0"/>
+              <a:rPr lang="en-US"/>
               <a:t>Fourth level</a:t>
             </a:r>
           </a:p>
           <a:p>
             <a:pPr lvl="4"/>
             <a:r>
-              <a:rPr lang="en-US" smtClean="0"/>
+              <a:rPr lang="en-US"/>
               <a:t>Fifth level</a:t>
             </a:r>
-            <a:endParaRPr lang="en-US"/>
           </a:p>
         </p:txBody>
       </p:sp>
@@ -1723,38 +1729,37 @@
           <a:p>
             <a:pPr lvl="0"/>
             <a:r>
-              <a:rPr lang="en-US" smtClean="0"/>
+              <a:rPr lang="en-US"/>
               <a:t>Click to edit Master text styles</a:t>
             </a:r>
           </a:p>
           <a:p>
             <a:pPr lvl="1"/>
             <a:r>
-              <a:rPr lang="en-US" smtClean="0"/>
+              <a:rPr lang="en-US"/>
               <a:t>Second level</a:t>
             </a:r>
           </a:p>
           <a:p>
             <a:pPr lvl="2"/>
             <a:r>
-              <a:rPr lang="en-US" smtClean="0"/>
+              <a:rPr lang="en-US"/>
               <a:t>Third level</a:t>
             </a:r>
           </a:p>
           <a:p>
             <a:pPr lvl="3"/>
             <a:r>
-              <a:rPr lang="en-US" smtClean="0"/>
+              <a:rPr lang="en-US"/>
               <a:t>Fourth level</a:t>
             </a:r>
           </a:p>
           <a:p>
             <a:pPr lvl="4"/>
             <a:r>
-              <a:rPr lang="en-US" smtClean="0"/>
+              <a:rPr lang="en-US"/>
               <a:t>Fifth level</a:t>
             </a:r>
-            <a:endParaRPr lang="en-US"/>
           </a:p>
         </p:txBody>
       </p:sp>
@@ -1776,7 +1781,7 @@
             <a:fld id="{C66D7397-C25C-4F92-8192-2807646A1642}" type="datetimeFigureOut">
               <a:rPr lang="en-US" smtClean="0"/>
               <a:pPr/>
-              <a:t>10/3/2012</a:t>
+              <a:t>5/15/2023</a:t>
             </a:fld>
             <a:endParaRPr lang="en-US"/>
           </a:p>
@@ -1873,10 +1878,9 @@
           </a:lstStyle>
           <a:p>
             <a:r>
-              <a:rPr lang="en-US" smtClean="0"/>
+              <a:rPr lang="en-US"/>
               <a:t>Click to edit Master title style</a:t>
             </a:r>
-            <a:endParaRPr lang="en-US"/>
           </a:p>
         </p:txBody>
       </p:sp>
@@ -1939,7 +1943,7 @@
           <a:p>
             <a:pPr lvl="0"/>
             <a:r>
-              <a:rPr lang="en-US" smtClean="0"/>
+              <a:rPr lang="en-US"/>
               <a:t>Click to edit Master text styles</a:t>
             </a:r>
           </a:p>
@@ -1995,38 +1999,37 @@
           <a:p>
             <a:pPr lvl="0"/>
             <a:r>
-              <a:rPr lang="en-US" smtClean="0"/>
+              <a:rPr lang="en-US"/>
               <a:t>Click to edit Master text styles</a:t>
             </a:r>
           </a:p>
           <a:p>
             <a:pPr lvl="1"/>
             <a:r>
-              <a:rPr lang="en-US" smtClean="0"/>
+              <a:rPr lang="en-US"/>
               <a:t>Second level</a:t>
             </a:r>
           </a:p>
           <a:p>
             <a:pPr lvl="2"/>
             <a:r>
-              <a:rPr lang="en-US" smtClean="0"/>
+              <a:rPr lang="en-US"/>
               <a:t>Third level</a:t>
             </a:r>
           </a:p>
           <a:p>
             <a:pPr lvl="3"/>
             <a:r>
-              <a:rPr lang="en-US" smtClean="0"/>
+              <a:rPr lang="en-US"/>
               <a:t>Fourth level</a:t>
             </a:r>
           </a:p>
           <a:p>
             <a:pPr lvl="4"/>
             <a:r>
-              <a:rPr lang="en-US" smtClean="0"/>
+              <a:rPr lang="en-US"/>
               <a:t>Fifth level</a:t>
             </a:r>
-            <a:endParaRPr lang="en-US"/>
           </a:p>
         </p:txBody>
       </p:sp>
@@ -2089,7 +2092,7 @@
           <a:p>
             <a:pPr lvl="0"/>
             <a:r>
-              <a:rPr lang="en-US" smtClean="0"/>
+              <a:rPr lang="en-US"/>
               <a:t>Click to edit Master text styles</a:t>
             </a:r>
           </a:p>
@@ -2145,38 +2148,37 @@
           <a:p>
             <a:pPr lvl="0"/>
             <a:r>
-              <a:rPr lang="en-US" smtClean="0"/>
+              <a:rPr lang="en-US"/>
               <a:t>Click to edit Master text styles</a:t>
             </a:r>
           </a:p>
           <a:p>
             <a:pPr lvl="1"/>
             <a:r>
-              <a:rPr lang="en-US" smtClean="0"/>
+              <a:rPr lang="en-US"/>
               <a:t>Second level</a:t>
             </a:r>
           </a:p>
           <a:p>
             <a:pPr lvl="2"/>
             <a:r>
-              <a:rPr lang="en-US" smtClean="0"/>
+              <a:rPr lang="en-US"/>
               <a:t>Third level</a:t>
             </a:r>
           </a:p>
           <a:p>
             <a:pPr lvl="3"/>
             <a:r>
-              <a:rPr lang="en-US" smtClean="0"/>
+              <a:rPr lang="en-US"/>
               <a:t>Fourth level</a:t>
             </a:r>
           </a:p>
           <a:p>
             <a:pPr lvl="4"/>
             <a:r>
-              <a:rPr lang="en-US" smtClean="0"/>
+              <a:rPr lang="en-US"/>
               <a:t>Fifth level</a:t>
             </a:r>
-            <a:endParaRPr lang="en-US"/>
           </a:p>
         </p:txBody>
       </p:sp>
@@ -2198,7 +2200,7 @@
             <a:fld id="{C66D7397-C25C-4F92-8192-2807646A1642}" type="datetimeFigureOut">
               <a:rPr lang="en-US" smtClean="0"/>
               <a:pPr/>
-              <a:t>10/3/2012</a:t>
+              <a:t>5/15/2023</a:t>
             </a:fld>
             <a:endParaRPr lang="en-US"/>
           </a:p>
@@ -2291,10 +2293,9 @@
           <a:lstStyle/>
           <a:p>
             <a:r>
-              <a:rPr lang="en-US" smtClean="0"/>
+              <a:rPr lang="en-US"/>
               <a:t>Click to edit Master title style</a:t>
             </a:r>
-            <a:endParaRPr lang="en-US"/>
           </a:p>
         </p:txBody>
       </p:sp>
@@ -2316,7 +2317,7 @@
             <a:fld id="{C66D7397-C25C-4F92-8192-2807646A1642}" type="datetimeFigureOut">
               <a:rPr lang="en-US" smtClean="0"/>
               <a:pPr/>
-              <a:t>10/3/2012</a:t>
+              <a:t>5/15/2023</a:t>
             </a:fld>
             <a:endParaRPr lang="en-US"/>
           </a:p>
@@ -2411,7 +2412,7 @@
             <a:fld id="{C66D7397-C25C-4F92-8192-2807646A1642}" type="datetimeFigureOut">
               <a:rPr lang="en-US" smtClean="0"/>
               <a:pPr/>
-              <a:t>10/3/2012</a:t>
+              <a:t>5/15/2023</a:t>
             </a:fld>
             <a:endParaRPr lang="en-US"/>
           </a:p>
@@ -2513,10 +2514,9 @@
           </a:lstStyle>
           <a:p>
             <a:r>
-              <a:rPr lang="en-US" smtClean="0"/>
+              <a:rPr lang="en-US"/>
               <a:t>Click to edit Master title style</a:t>
             </a:r>
-            <a:endParaRPr lang="en-US"/>
           </a:p>
         </p:txBody>
       </p:sp>
@@ -2570,38 +2570,37 @@
           <a:p>
             <a:pPr lvl="0"/>
             <a:r>
-              <a:rPr lang="en-US" smtClean="0"/>
+              <a:rPr lang="en-US"/>
               <a:t>Click to edit Master text styles</a:t>
             </a:r>
           </a:p>
           <a:p>
             <a:pPr lvl="1"/>
             <a:r>
-              <a:rPr lang="en-US" smtClean="0"/>
+              <a:rPr lang="en-US"/>
               <a:t>Second level</a:t>
             </a:r>
           </a:p>
           <a:p>
             <a:pPr lvl="2"/>
             <a:r>
-              <a:rPr lang="en-US" smtClean="0"/>
+              <a:rPr lang="en-US"/>
               <a:t>Third level</a:t>
             </a:r>
           </a:p>
           <a:p>
             <a:pPr lvl="3"/>
             <a:r>
-              <a:rPr lang="en-US" smtClean="0"/>
+              <a:rPr lang="en-US"/>
               <a:t>Fourth level</a:t>
             </a:r>
           </a:p>
           <a:p>
             <a:pPr lvl="4"/>
             <a:r>
-              <a:rPr lang="en-US" smtClean="0"/>
+              <a:rPr lang="en-US"/>
               <a:t>Fifth level</a:t>
             </a:r>
-            <a:endParaRPr lang="en-US"/>
           </a:p>
         </p:txBody>
       </p:sp>
@@ -2664,7 +2663,7 @@
           <a:p>
             <a:pPr lvl="0"/>
             <a:r>
-              <a:rPr lang="en-US" smtClean="0"/>
+              <a:rPr lang="en-US"/>
               <a:t>Click to edit Master text styles</a:t>
             </a:r>
           </a:p>
@@ -2688,7 +2687,7 @@
             <a:fld id="{C66D7397-C25C-4F92-8192-2807646A1642}" type="datetimeFigureOut">
               <a:rPr lang="en-US" smtClean="0"/>
               <a:pPr/>
-              <a:t>10/3/2012</a:t>
+              <a:t>5/15/2023</a:t>
             </a:fld>
             <a:endParaRPr lang="en-US"/>
           </a:p>
@@ -2790,10 +2789,9 @@
           </a:lstStyle>
           <a:p>
             <a:r>
-              <a:rPr lang="en-US" smtClean="0"/>
+              <a:rPr lang="en-US"/>
               <a:t>Click to edit Master title style</a:t>
             </a:r>
-            <a:endParaRPr lang="en-US"/>
           </a:p>
         </p:txBody>
       </p:sp>
@@ -2855,10 +2853,9 @@
           </a:lstStyle>
           <a:p>
             <a:r>
-              <a:rPr lang="en-US" smtClean="0"/>
+              <a:rPr lang="en-US"/>
               <a:t>Click icon to add picture</a:t>
             </a:r>
-            <a:endParaRPr lang="en-US"/>
           </a:p>
         </p:txBody>
       </p:sp>
@@ -2921,7 +2918,7 @@
           <a:p>
             <a:pPr lvl="0"/>
             <a:r>
-              <a:rPr lang="en-US" smtClean="0"/>
+              <a:rPr lang="en-US"/>
               <a:t>Click to edit Master text styles</a:t>
             </a:r>
           </a:p>
@@ -2945,7 +2942,7 @@
             <a:fld id="{C66D7397-C25C-4F92-8192-2807646A1642}" type="datetimeFigureOut">
               <a:rPr lang="en-US" smtClean="0"/>
               <a:pPr/>
-              <a:t>10/3/2012</a:t>
+              <a:t>5/15/2023</a:t>
             </a:fld>
             <a:endParaRPr lang="en-US"/>
           </a:p>
@@ -3077,7 +3074,7 @@
           <a:lstStyle/>
           <a:p>
             <a:r>
-              <a:rPr lang="en-US" smtClean="0"/>
+              <a:rPr lang="en-US"/>
               <a:t>Click to edit Master title style</a:t>
             </a:r>
             <a:endParaRPr lang="en-US" dirty="0"/>
@@ -3123,35 +3120,35 @@
           <a:p>
             <a:pPr lvl="0"/>
             <a:r>
-              <a:rPr lang="en-US" smtClean="0"/>
+              <a:rPr lang="en-US"/>
               <a:t>Click to edit Master text styles</a:t>
             </a:r>
           </a:p>
           <a:p>
             <a:pPr lvl="1"/>
             <a:r>
-              <a:rPr lang="en-US" smtClean="0"/>
+              <a:rPr lang="en-US"/>
               <a:t>Second level</a:t>
             </a:r>
           </a:p>
           <a:p>
             <a:pPr lvl="2"/>
             <a:r>
-              <a:rPr lang="en-US" smtClean="0"/>
+              <a:rPr lang="en-US"/>
               <a:t>Third level</a:t>
             </a:r>
           </a:p>
           <a:p>
             <a:pPr lvl="3"/>
             <a:r>
-              <a:rPr lang="en-US" smtClean="0"/>
+              <a:rPr lang="en-US"/>
               <a:t>Fourth level</a:t>
             </a:r>
           </a:p>
           <a:p>
             <a:pPr lvl="4"/>
             <a:r>
-              <a:rPr lang="en-US" smtClean="0"/>
+              <a:rPr lang="en-US"/>
               <a:t>Fifth level</a:t>
             </a:r>
             <a:endParaRPr lang="en-US" dirty="0"/>
@@ -3194,7 +3191,7 @@
             <a:fld id="{C66D7397-C25C-4F92-8192-2807646A1642}" type="datetimeFigureOut">
               <a:rPr lang="en-US" smtClean="0"/>
               <a:pPr/>
-              <a:t>10/3/2012</a:t>
+              <a:t>5/15/2023</a:t>
             </a:fld>
             <a:endParaRPr lang="en-US"/>
           </a:p>
@@ -3687,34 +3684,14 @@
           <a:lstStyle/>
           <a:p>
             <a:r>
-              <a:rPr lang="en-US" sz="2800" dirty="0" smtClean="0">
+              <a:rPr lang="en-US" sz="2800" dirty="0">
                 <a:solidFill>
                   <a:schemeClr val="bg1"/>
                 </a:solidFill>
                 <a:latin typeface="Times New Roman" pitchFamily="18" charset="0"/>
                 <a:cs typeface="Times New Roman" pitchFamily="18" charset="0"/>
               </a:rPr>
-              <a:t>Global </a:t>
-            </a:r>
-            <a:r>
-              <a:rPr lang="en-US" sz="2800" dirty="0">
-                <a:solidFill>
-                  <a:schemeClr val="bg1"/>
-                </a:solidFill>
-                <a:latin typeface="Times New Roman" pitchFamily="18" charset="0"/>
-                <a:cs typeface="Times New Roman" pitchFamily="18" charset="0"/>
-              </a:rPr>
-              <a:t>versus local </a:t>
-            </a:r>
-            <a:r>
-              <a:rPr lang="en-US" sz="2800" dirty="0" smtClean="0">
-                <a:solidFill>
-                  <a:schemeClr val="bg1"/>
-                </a:solidFill>
-                <a:latin typeface="Times New Roman" pitchFamily="18" charset="0"/>
-                <a:cs typeface="Times New Roman" pitchFamily="18" charset="0"/>
-              </a:rPr>
-              <a:t>autocorrelation</a:t>
+              <a:t>Global versus local autocorrelation</a:t>
             </a:r>
             <a:endParaRPr lang="en-US" sz="2800" dirty="0">
               <a:solidFill>
@@ -3950,7 +3927,7 @@
               </a:lnSpc>
             </a:pPr>
             <a:r>
-              <a:rPr lang="en-US" dirty="0" smtClean="0">
+              <a:rPr lang="en-US" dirty="0">
                 <a:latin typeface="Times New Roman" pitchFamily="18" charset="0"/>
                 <a:cs typeface="Times New Roman" pitchFamily="18" charset="0"/>
               </a:rPr>
@@ -3964,21 +3941,21 @@
               </a:lnSpc>
             </a:pPr>
             <a:r>
-              <a:rPr lang="en-US" dirty="0" smtClean="0">
+              <a:rPr lang="en-US" dirty="0">
                 <a:latin typeface="Times New Roman" pitchFamily="18" charset="0"/>
                 <a:cs typeface="Times New Roman" pitchFamily="18" charset="0"/>
               </a:rPr>
               <a:t>Can identify specific clusters (</a:t>
             </a:r>
             <a:r>
-              <a:rPr lang="pt-BR" sz="2800" dirty="0" smtClean="0">
+              <a:rPr lang="pt-BR" sz="2800" dirty="0">
                 <a:latin typeface="Times New Roman" pitchFamily="18" charset="0"/>
                 <a:cs typeface="Times New Roman" pitchFamily="18" charset="0"/>
               </a:rPr>
               <a:t>significant local clusters in the absence of global autocorrelation</a:t>
             </a:r>
             <a:r>
-              <a:rPr lang="en-US" dirty="0" smtClean="0">
+              <a:rPr lang="en-US" dirty="0">
                 <a:latin typeface="Times New Roman" pitchFamily="18" charset="0"/>
                 <a:cs typeface="Times New Roman" pitchFamily="18" charset="0"/>
               </a:rPr>
@@ -3992,27 +3969,27 @@
               </a:lnSpc>
             </a:pPr>
             <a:r>
-              <a:rPr lang="en-US" dirty="0" smtClean="0">
+              <a:rPr lang="en-US" dirty="0">
                 <a:latin typeface="Times New Roman" pitchFamily="18" charset="0"/>
                 <a:cs typeface="Times New Roman" pitchFamily="18" charset="0"/>
               </a:rPr>
               <a:t>Can distinguish between homogeneity and heterogeneity (</a:t>
             </a:r>
             <a:r>
-              <a:rPr lang="en-US" sz="2800" dirty="0" smtClean="0">
+              <a:rPr lang="en-US" sz="2800" dirty="0">
                 <a:latin typeface="Times New Roman" pitchFamily="18" charset="0"/>
                 <a:cs typeface="Times New Roman" pitchFamily="18" charset="0"/>
               </a:rPr>
               <a:t>e.g., spatial </a:t>
             </a:r>
             <a:r>
-              <a:rPr lang="pt-BR" sz="2800" dirty="0" smtClean="0">
+              <a:rPr lang="pt-BR" sz="2800" dirty="0">
                 <a:latin typeface="Times New Roman" pitchFamily="18" charset="0"/>
                 <a:cs typeface="Times New Roman" pitchFamily="18" charset="0"/>
               </a:rPr>
               <a:t>outliers - highs surrounded by lows, and vice versa)</a:t>
             </a:r>
-            <a:endParaRPr lang="en-US" dirty="0" smtClean="0">
+            <a:endParaRPr lang="en-US" dirty="0">
               <a:latin typeface="Times New Roman" pitchFamily="18" charset="0"/>
               <a:cs typeface="Times New Roman" pitchFamily="18" charset="0"/>
             </a:endParaRPr>
@@ -4024,7 +4001,7 @@
               </a:lnSpc>
             </a:pPr>
             <a:r>
-              <a:rPr lang="en-US" dirty="0" smtClean="0">
+              <a:rPr lang="en-US" dirty="0">
                 <a:latin typeface="Times New Roman" pitchFamily="18" charset="0"/>
                 <a:cs typeface="Times New Roman" pitchFamily="18" charset="0"/>
               </a:rPr>
@@ -4038,44 +4015,40 @@
               </a:lnSpc>
             </a:pPr>
             <a:r>
-              <a:rPr lang="en-US" dirty="0" smtClean="0">
+              <a:rPr lang="en-US" dirty="0">
                 <a:latin typeface="Times New Roman" pitchFamily="18" charset="0"/>
                 <a:cs typeface="Times New Roman" pitchFamily="18" charset="0"/>
               </a:rPr>
               <a:t>Can quantify </a:t>
             </a:r>
             <a:r>
-              <a:rPr lang="en-US" dirty="0" err="1" smtClean="0">
+              <a:rPr lang="en-US" dirty="0" err="1">
                 <a:latin typeface="Times New Roman" pitchFamily="18" charset="0"/>
                 <a:cs typeface="Times New Roman" pitchFamily="18" charset="0"/>
               </a:rPr>
               <a:t>nonstationarity</a:t>
             </a:r>
             <a:r>
-              <a:rPr lang="en-US" dirty="0" smtClean="0">
+              <a:rPr lang="en-US" dirty="0">
                 <a:latin typeface="Times New Roman" pitchFamily="18" charset="0"/>
                 <a:cs typeface="Times New Roman" pitchFamily="18" charset="0"/>
               </a:rPr>
               <a:t> (</a:t>
             </a:r>
             <a:r>
-              <a:rPr lang="pt-BR" sz="2800" dirty="0" smtClean="0">
+              <a:rPr lang="pt-BR" sz="2800" dirty="0">
                 <a:latin typeface="Times New Roman" pitchFamily="18" charset="0"/>
                 <a:cs typeface="Times New Roman" pitchFamily="18" charset="0"/>
               </a:rPr>
               <a:t>local deviations from global pattern of spatial autocorrelation</a:t>
             </a:r>
             <a:r>
-              <a:rPr lang="en-US" dirty="0" smtClean="0">
+              <a:rPr lang="en-US" dirty="0">
                 <a:latin typeface="Times New Roman" pitchFamily="18" charset="0"/>
                 <a:cs typeface="Times New Roman" pitchFamily="18" charset="0"/>
               </a:rPr>
               <a:t>)</a:t>
             </a:r>
-            <a:endParaRPr lang="en-US" dirty="0">
-              <a:latin typeface="Times New Roman" pitchFamily="18" charset="0"/>
-              <a:cs typeface="Times New Roman" pitchFamily="18" charset="0"/>
-            </a:endParaRPr>
           </a:p>
         </p:txBody>
       </p:sp>
@@ -4092,13 +4065,6 @@
   <p:transition spd="med">
     <p:random/>
   </p:transition>
-  <p:timing>
-    <p:tnLst>
-      <p:par>
-        <p:cTn id="1" dur="indefinite" restart="never" nodeType="tmRoot"/>
-      </p:par>
-    </p:tnLst>
-  </p:timing>
 </p:sld>
 </file>
 
@@ -4156,7 +4122,7 @@
           <a:lstStyle/>
           <a:p>
             <a:r>
-              <a:rPr lang="en-US" sz="2800" dirty="0" smtClean="0">
+              <a:rPr lang="en-US" sz="2800" dirty="0">
                 <a:solidFill>
                   <a:schemeClr val="bg1"/>
                 </a:solidFill>
@@ -4171,19 +4137,6 @@
               </a:rPr>
               <a:t>LISA (Local Indicators of Spatial Association</a:t>
             </a:r>
-            <a:endParaRPr lang="en-US" sz="2800" dirty="0">
-              <a:solidFill>
-                <a:schemeClr val="bg1"/>
-              </a:solidFill>
-              <a:effectLst>
-                <a:outerShdw blurRad="38100" dist="38100" dir="2700000" algn="tl">
-                  <a:srgbClr val="000000">
-                    <a:alpha val="43137"/>
-                  </a:srgbClr>
-                </a:outerShdw>
-              </a:effectLst>
-              <a:latin typeface="Garamond" pitchFamily="18" charset="0"/>
-            </a:endParaRPr>
           </a:p>
         </p:txBody>
       </p:sp>
@@ -4209,12 +4162,12 @@
           <a:graphicData uri="http://schemas.openxmlformats.org/presentationml/2006/ole">
             <mc:AlternateContent xmlns:mc="http://schemas.openxmlformats.org/markup-compatibility/2006">
               <mc:Choice xmlns:v="urn:schemas-microsoft-com:vml" Requires="v">
-                <p:oleObj spid="_x0000_s43048" name="Equation" r:id="rId3" imgW="4012920" imgH="888840" progId="Equation.3">
+                <p:oleObj name="Equation" r:id="rId2" imgW="4012920" imgH="888840" progId="Equation.3">
                   <p:embed/>
                 </p:oleObj>
               </mc:Choice>
               <mc:Fallback>
-                <p:oleObj name="Equation" r:id="rId3" imgW="4012920" imgH="888840" progId="Equation.3">
+                <p:oleObj name="Equation" r:id="rId2" imgW="4012920" imgH="888840" progId="Equation.3">
                   <p:embed/>
                   <p:pic>
                     <p:nvPicPr>
@@ -4225,7 +4178,7 @@
                       <p:nvPr/>
                     </p:nvPicPr>
                     <p:blipFill>
-                      <a:blip r:embed="rId4"/>
+                      <a:blip r:embed="rId3"/>
                       <a:srcRect/>
                       <a:stretch>
                         <a:fillRect/>
@@ -4251,7 +4204,6 @@
                         <a:headEnd/>
                         <a:tailEnd/>
                       </a:ln>
-                      <a:extLst/>
                     </p:spPr>
                   </p:pic>
                 </p:oleObj>
@@ -4283,12 +4235,12 @@
           <a:graphicData uri="http://schemas.openxmlformats.org/presentationml/2006/ole">
             <mc:AlternateContent xmlns:mc="http://schemas.openxmlformats.org/markup-compatibility/2006">
               <mc:Choice xmlns:v="urn:schemas-microsoft-com:vml" Requires="v">
-                <p:oleObj spid="_x0000_s43049" name="Equation" r:id="rId5" imgW="3581280" imgH="2031840" progId="Equation.3">
+                <p:oleObj name="Equation" r:id="rId4" imgW="3581280" imgH="2031840" progId="Equation.3">
                   <p:embed/>
                 </p:oleObj>
               </mc:Choice>
               <mc:Fallback>
-                <p:oleObj name="Equation" r:id="rId5" imgW="3581280" imgH="2031840" progId="Equation.3">
+                <p:oleObj name="Equation" r:id="rId4" imgW="3581280" imgH="2031840" progId="Equation.3">
                   <p:embed/>
                   <p:pic>
                     <p:nvPicPr>
@@ -4299,7 +4251,7 @@
                       <p:nvPr/>
                     </p:nvPicPr>
                     <p:blipFill>
-                      <a:blip r:embed="rId6">
+                      <a:blip r:embed="rId5">
                         <a:extLst>
                           <a:ext uri="{28A0092B-C50C-407E-A947-70E740481C1C}">
                             <a14:useLocalDpi xmlns:a14="http://schemas.microsoft.com/office/drawing/2010/main" val="0"/>
@@ -4328,7 +4280,6 @@
                       <a:ln>
                         <a:noFill/>
                       </a:ln>
-                      <a:extLst/>
                     </p:spPr>
                   </p:pic>
                 </p:oleObj>
@@ -4350,13 +4301,6 @@
   <p:transition spd="med">
     <p:random/>
   </p:transition>
-  <p:timing>
-    <p:tnLst>
-      <p:par>
-        <p:cTn id="1" dur="indefinite" restart="never" nodeType="tmRoot"/>
-      </p:par>
-    </p:tnLst>
-  </p:timing>
 </p:sld>
 </file>
 
@@ -4472,7 +4416,7 @@
           </a:lstStyle>
           <a:p>
             <a:r>
-              <a:rPr lang="en-US" sz="2800" dirty="0" smtClean="0">
+              <a:rPr lang="en-US" sz="2800" dirty="0">
                 <a:solidFill>
                   <a:schemeClr val="bg1"/>
                 </a:solidFill>
@@ -4487,19 +4431,6 @@
               </a:rPr>
               <a:t>LISA (Local Indicators of Spatial Association - Randomization</a:t>
             </a:r>
-            <a:endParaRPr lang="en-US" sz="2800" dirty="0">
-              <a:solidFill>
-                <a:schemeClr val="bg1"/>
-              </a:solidFill>
-              <a:effectLst>
-                <a:outerShdw blurRad="38100" dist="38100" dir="2700000" algn="tl">
-                  <a:srgbClr val="000000">
-                    <a:alpha val="43137"/>
-                  </a:srgbClr>
-                </a:outerShdw>
-              </a:effectLst>
-              <a:latin typeface="Garamond" pitchFamily="18" charset="0"/>
-            </a:endParaRPr>
           </a:p>
         </p:txBody>
       </p:sp>
@@ -4525,12 +4456,12 @@
           <a:graphicData uri="http://schemas.openxmlformats.org/presentationml/2006/ole">
             <mc:AlternateContent xmlns:mc="http://schemas.openxmlformats.org/markup-compatibility/2006">
               <mc:Choice xmlns:v="urn:schemas-microsoft-com:vml" Requires="v">
-                <p:oleObj spid="_x0000_s44053" name="Equation" r:id="rId3" imgW="4508280" imgH="2997000" progId="Equation.3">
+                <p:oleObj name="Equation" r:id="rId2" imgW="4508280" imgH="2997000" progId="Equation.3">
                   <p:embed/>
                 </p:oleObj>
               </mc:Choice>
               <mc:Fallback>
-                <p:oleObj name="Equation" r:id="rId3" imgW="4508280" imgH="2997000" progId="Equation.3">
+                <p:oleObj name="Equation" r:id="rId2" imgW="4508280" imgH="2997000" progId="Equation.3">
                   <p:embed/>
                   <p:pic>
                     <p:nvPicPr>
@@ -4541,7 +4472,7 @@
                       <p:nvPr/>
                     </p:nvPicPr>
                     <p:blipFill>
-                      <a:blip r:embed="rId4"/>
+                      <a:blip r:embed="rId3"/>
                       <a:srcRect/>
                       <a:stretch>
                         <a:fillRect/>
@@ -4585,13 +4516,6 @@
   <p:transition spd="med">
     <p:random/>
   </p:transition>
-  <p:timing>
-    <p:tnLst>
-      <p:par>
-        <p:cTn id="1" dur="indefinite" restart="never" nodeType="tmRoot"/>
-      </p:par>
-    </p:tnLst>
-  </p:timing>
 </p:sld>
 </file>
 
@@ -4728,12 +4652,12 @@
           <a:graphicData uri="http://schemas.openxmlformats.org/presentationml/2006/ole">
             <mc:AlternateContent xmlns:mc="http://schemas.openxmlformats.org/markup-compatibility/2006">
               <mc:Choice xmlns:v="urn:schemas-microsoft-com:vml" Requires="v">
-                <p:oleObj spid="_x0000_s45074" name="Equation" r:id="rId3" imgW="3124080" imgH="1168200" progId="Equation.3">
+                <p:oleObj name="Equation" r:id="rId2" imgW="3124080" imgH="1168200" progId="Equation.3">
                   <p:embed/>
                 </p:oleObj>
               </mc:Choice>
               <mc:Fallback>
-                <p:oleObj name="Equation" r:id="rId3" imgW="3124080" imgH="1168200" progId="Equation.3">
+                <p:oleObj name="Equation" r:id="rId2" imgW="3124080" imgH="1168200" progId="Equation.3">
                   <p:embed/>
                   <p:pic>
                     <p:nvPicPr>
@@ -4744,7 +4668,7 @@
                       <p:nvPr/>
                     </p:nvPicPr>
                     <p:blipFill>
-                      <a:blip r:embed="rId4">
+                      <a:blip r:embed="rId3">
                         <a:extLst>
                           <a:ext uri="{28A0092B-C50C-407E-A947-70E740481C1C}">
                             <a14:useLocalDpi xmlns:a14="http://schemas.microsoft.com/office/drawing/2010/main" val="0"/>
@@ -4770,7 +4694,6 @@
                           <a:lumOff val="80000"/>
                         </a:schemeClr>
                       </a:solidFill>
-                      <a:extLst/>
                     </p:spPr>
                   </p:pic>
                 </p:oleObj>
@@ -5000,7 +4923,7 @@
               </a:lnSpc>
             </a:pPr>
             <a:r>
-              <a:rPr lang="en-US" sz="2800" dirty="0" smtClean="0">
+              <a:rPr lang="en-US" sz="2800" dirty="0">
                 <a:solidFill>
                   <a:schemeClr val="bg1"/>
                 </a:solidFill>
@@ -5010,7 +4933,7 @@
               <a:t>contiguity based upon distance band defined by </a:t>
             </a:r>
             <a:r>
-              <a:rPr lang="en-US" sz="2800" dirty="0" err="1" smtClean="0">
+              <a:rPr lang="en-US" sz="2800" dirty="0" err="1">
                 <a:solidFill>
                   <a:schemeClr val="bg1"/>
                 </a:solidFill>
@@ -5020,7 +4943,7 @@
               <a:t>d</a:t>
             </a:r>
             <a:r>
-              <a:rPr lang="en-US" sz="2800" baseline="-25000" dirty="0" err="1" smtClean="0">
+              <a:rPr lang="en-US" sz="2800" baseline="-25000" dirty="0" err="1">
                 <a:solidFill>
                   <a:schemeClr val="bg1"/>
                 </a:solidFill>
@@ -5029,7 +4952,7 @@
               </a:rPr>
               <a:t>r</a:t>
             </a:r>
-            <a:endParaRPr lang="en-US" sz="2800" baseline="-25000" dirty="0" smtClean="0">
+            <a:endParaRPr lang="en-US" sz="2800" baseline="-25000" dirty="0">
               <a:solidFill>
                 <a:schemeClr val="bg1"/>
               </a:solidFill>
@@ -5044,7 +4967,7 @@
               </a:lnSpc>
             </a:pPr>
             <a:r>
-              <a:rPr lang="en-US" sz="2800" dirty="0" err="1" smtClean="0">
+              <a:rPr lang="en-US" sz="2800" dirty="0" err="1">
                 <a:solidFill>
                   <a:schemeClr val="bg1"/>
                 </a:solidFill>
@@ -5054,7 +4977,7 @@
               <a:t>d</a:t>
             </a:r>
             <a:r>
-              <a:rPr lang="en-US" sz="2800" baseline="-25000" dirty="0" err="1" smtClean="0">
+              <a:rPr lang="en-US" sz="2800" baseline="-25000" dirty="0" err="1">
                 <a:solidFill>
                   <a:schemeClr val="bg1"/>
                 </a:solidFill>
@@ -5064,7 +4987,7 @@
               <a:t>r</a:t>
             </a:r>
             <a:r>
-              <a:rPr lang="en-US" sz="2800" dirty="0" smtClean="0">
+              <a:rPr lang="en-US" sz="2800" dirty="0">
                 <a:solidFill>
                   <a:schemeClr val="bg1"/>
                 </a:solidFill>
@@ -5074,7 +4997,7 @@
               <a:t> may be obtained from a </a:t>
             </a:r>
             <a:r>
-              <a:rPr lang="en-US" sz="2800" dirty="0" err="1" smtClean="0">
+              <a:rPr lang="en-US" sz="2800" dirty="0" err="1">
                 <a:solidFill>
                   <a:schemeClr val="bg1"/>
                 </a:solidFill>
@@ -5084,7 +5007,7 @@
               <a:t>semivariogram</a:t>
             </a:r>
             <a:r>
-              <a:rPr lang="en-US" sz="2800" dirty="0" smtClean="0">
+              <a:rPr lang="en-US" sz="2800" dirty="0">
                 <a:solidFill>
                   <a:schemeClr val="bg1"/>
                 </a:solidFill>
@@ -5101,7 +5024,7 @@
               </a:lnSpc>
             </a:pPr>
             <a:r>
-              <a:rPr lang="en-US" sz="2800" dirty="0" smtClean="0">
+              <a:rPr lang="en-US" sz="2800" dirty="0">
                 <a:solidFill>
                   <a:schemeClr val="bg1"/>
                 </a:solidFill>
@@ -5110,13 +5033,6 @@
               </a:rPr>
               <a:t>one statistic for each observation</a:t>
             </a:r>
-            <a:endParaRPr lang="en-US" sz="2800" dirty="0">
-              <a:solidFill>
-                <a:schemeClr val="bg1"/>
-              </a:solidFill>
-              <a:latin typeface="Times New Roman" pitchFamily="18" charset="0"/>
-              <a:cs typeface="Times New Roman" pitchFamily="18" charset="0"/>
-            </a:endParaRPr>
           </a:p>
         </p:txBody>
       </p:sp>
@@ -5316,13 +5232,6 @@
   <p:transition spd="med">
     <p:random/>
   </p:transition>
-  <p:timing>
-    <p:tnLst>
-      <p:par>
-        <p:cTn id="1" dur="indefinite" restart="never" nodeType="tmRoot"/>
-      </p:par>
-    </p:tnLst>
-  </p:timing>
 </p:sld>
 </file>
 
@@ -5387,24 +5296,14 @@
               <a:defRPr/>
             </a:pPr>
             <a:r>
-              <a:rPr lang="en-US" sz="2400" dirty="0" smtClean="0">
+              <a:rPr lang="en-US" sz="2400" dirty="0">
                 <a:solidFill>
                   <a:schemeClr val="bg1"/>
                 </a:solidFill>
                 <a:latin typeface="Times New Roman" pitchFamily="18" charset="0"/>
                 <a:cs typeface="Times New Roman" pitchFamily="18" charset="0"/>
               </a:rPr>
-              <a:t>Relationship </a:t>
-            </a:r>
-            <a:r>
-              <a:rPr lang="en-US" sz="2400" dirty="0">
-                <a:solidFill>
-                  <a:schemeClr val="bg1"/>
-                </a:solidFill>
-                <a:latin typeface="Times New Roman" pitchFamily="18" charset="0"/>
-                <a:cs typeface="Times New Roman" pitchFamily="18" charset="0"/>
-              </a:rPr>
-              <a:t>between LISA and </a:t>
+              <a:t>Relationship between LISA and </a:t>
             </a:r>
             <a:r>
               <a:rPr lang="en-US" sz="2400" dirty="0" err="1">
@@ -5711,7 +5610,7 @@
               <a:buNone/>
             </a:pPr>
             <a:r>
-              <a:rPr lang="en-US" dirty="0" smtClean="0">
+              <a:rPr lang="en-US" dirty="0">
                 <a:solidFill>
                   <a:schemeClr val="bg1"/>
                 </a:solidFill>
@@ -5721,7 +5620,7 @@
               <a:t>The quadratic trend is why LISA cannot reliably distinguish between HH and LL clusters, while </a:t>
             </a:r>
             <a:r>
-              <a:rPr lang="en-US" dirty="0" err="1" smtClean="0">
+              <a:rPr lang="en-US" dirty="0" err="1">
                 <a:solidFill>
                   <a:schemeClr val="bg1"/>
                 </a:solidFill>
@@ -5731,7 +5630,7 @@
               <a:t>G</a:t>
             </a:r>
             <a:r>
-              <a:rPr lang="en-US" baseline="-25000" dirty="0" err="1" smtClean="0">
+              <a:rPr lang="en-US" baseline="-25000" dirty="0" err="1">
                 <a:solidFill>
                   <a:schemeClr val="bg1"/>
                 </a:solidFill>
@@ -5741,7 +5640,7 @@
               <a:t>i</a:t>
             </a:r>
             <a:r>
-              <a:rPr lang="en-US" dirty="0" smtClean="0">
+              <a:rPr lang="en-US" dirty="0">
                 <a:solidFill>
                   <a:schemeClr val="bg1"/>
                 </a:solidFill>
@@ -5750,13 +5649,6 @@
               </a:rPr>
               <a:t> can.</a:t>
             </a:r>
-            <a:endParaRPr lang="en-US" dirty="0">
-              <a:solidFill>
-                <a:schemeClr val="bg1"/>
-              </a:solidFill>
-              <a:latin typeface="Times New Roman" pitchFamily="18" charset="0"/>
-              <a:cs typeface="Times New Roman" pitchFamily="18" charset="0"/>
-            </a:endParaRPr>
           </a:p>
         </p:txBody>
       </p:sp>
@@ -5773,13 +5665,6 @@
   <p:transition spd="med">
     <p:random/>
   </p:transition>
-  <p:timing>
-    <p:tnLst>
-      <p:par>
-        <p:cTn id="1" dur="indefinite" restart="never" nodeType="tmRoot"/>
-      </p:par>
-    </p:tnLst>
-  </p:timing>
 </p:sld>
 </file>
 
